--- a/Supervised_Learning/Read_Me.pptx
+++ b/Supervised_Learning/Read_Me.pptx
@@ -8657,6 +8657,27 @@
                 <a:latin typeface="+mn-lt"/>
                 <a:ea typeface="Times New Roman" panose="02020603050405020304" pitchFamily="18" charset="0"/>
               </a:rPr>
+              <a:t>Classification using </a:t>
+            </a:r>
+            <a:br>
+              <a:rPr lang="en-US" sz="4000" b="1" dirty="0">
+                <a:solidFill>
+                  <a:srgbClr val="FFFFFF"/>
+                </a:solidFill>
+                <a:effectLst/>
+                <a:latin typeface="+mn-lt"/>
+                <a:ea typeface="Times New Roman" panose="02020603050405020304" pitchFamily="18" charset="0"/>
+              </a:rPr>
+            </a:br>
+            <a:r>
+              <a:rPr lang="en-US" sz="4000" b="1" dirty="0">
+                <a:solidFill>
+                  <a:srgbClr val="FFFFFF"/>
+                </a:solidFill>
+                <a:effectLst/>
+                <a:latin typeface="+mn-lt"/>
+                <a:ea typeface="Times New Roman" panose="02020603050405020304" pitchFamily="18" charset="0"/>
+              </a:rPr>
               <a:t>Logistic Regression</a:t>
             </a:r>
             <a:endParaRPr lang="en-CA" sz="4000" dirty="0">
@@ -9329,7 +9350,7 @@
         </p:spPr>
         <p:txBody>
           <a:bodyPr anchor="ctr">
-            <a:normAutofit fontScale="70000" lnSpcReduction="20000"/>
+            <a:normAutofit fontScale="77500" lnSpcReduction="20000"/>
           </a:bodyPr>
           <a:lstStyle/>
           <a:p>
@@ -9381,11 +9402,7 @@
             </a:r>
           </a:p>
           <a:p>
-            <a:pPr algn="justLow">
-              <a:spcAft>
-                <a:spcPts val="0"/>
-              </a:spcAft>
-            </a:pPr>
+            <a:pPr lvl="1" algn="justLow"/>
             <a:r>
               <a:rPr lang="en-US" dirty="0">
                 <a:effectLst/>
@@ -9396,11 +9413,7 @@
             </a:r>
           </a:p>
           <a:p>
-            <a:pPr algn="justLow">
-              <a:spcAft>
-                <a:spcPts val="0"/>
-              </a:spcAft>
-            </a:pPr>
+            <a:pPr lvl="1" algn="justLow"/>
             <a:r>
               <a:rPr lang="en-US" dirty="0">
                 <a:effectLst/>
@@ -9437,7 +9450,7 @@
                 <a:latin typeface="+mj-lt"/>
                 <a:ea typeface="Times New Roman" panose="02020603050405020304" pitchFamily="18" charset="0"/>
               </a:rPr>
-              <a:t>Let see if we can run a classification model using python’s codes. </a:t>
+              <a:t>Let’s see if we can run a classification model using python’s codes. </a:t>
             </a:r>
             <a:endParaRPr lang="en-CA" dirty="0"/>
           </a:p>
@@ -9680,7 +9693,7 @@
         </p:spPr>
         <p:txBody>
           <a:bodyPr>
-            <a:normAutofit fontScale="85000" lnSpcReduction="10000"/>
+            <a:normAutofit fontScale="92500" lnSpcReduction="10000"/>
           </a:bodyPr>
           <a:lstStyle/>
           <a:p>
@@ -9712,9 +9725,9 @@
             </a:r>
           </a:p>
           <a:p>
-            <a:pPr algn="justLow"/>
+            <a:pPr lvl="1" algn="justLow"/>
             <a:r>
-              <a:rPr lang="en-CA" sz="2000" dirty="0"/>
+              <a:rPr lang="en-CA" sz="1600" dirty="0"/>
               <a:t>https://github.com/BabakEA/Introduction-to-Machine-Learning/tree/master/Supervised_Learning</a:t>
             </a:r>
           </a:p>
@@ -11031,8 +11044,8 @@
         </p:nvSpPr>
         <p:spPr>
           <a:xfrm>
-            <a:off x="5273908" y="893306"/>
-            <a:ext cx="6623452" cy="5230634"/>
+            <a:off x="5815249" y="893306"/>
+            <a:ext cx="6082110" cy="5230634"/>
           </a:xfrm>
         </p:spPr>
         <p:txBody>
@@ -11468,16 +11481,6 @@
                   <a:srgbClr val="000000"/>
                 </a:solidFill>
               </a:rPr>
-              <a:t>Remember we had such functions:</a:t>
-            </a:r>
-          </a:p>
-          <a:p>
-            <a:r>
-              <a:rPr lang="en-US" sz="2000" dirty="0">
-                <a:solidFill>
-                  <a:srgbClr val="000000"/>
-                </a:solidFill>
-              </a:rPr>
               <a:t>Y=x , y=|x|,y=3x+1,… these basics equations are all we need! Y as a target has some relationships with its variables ( Xs)</a:t>
             </a:r>
           </a:p>
@@ -12081,10 +12084,12 @@
           </a:bodyPr>
           <a:lstStyle/>
           <a:p>
-            <a:pPr algn="just"/>
+            <a:pPr marL="0" indent="0" algn="just">
+              <a:buNone/>
+            </a:pPr>
             <a:r>
               <a:rPr lang="en-US" sz="2100" b="1" dirty="0"/>
-              <a:t>Case study:</a:t>
+              <a:t>Case Study:</a:t>
             </a:r>
           </a:p>
           <a:p>
@@ -12528,24 +12533,20 @@
         </p:spPr>
         <p:txBody>
           <a:bodyPr anchor="ctr">
-            <a:normAutofit fontScale="85000" lnSpcReduction="10000"/>
+            <a:normAutofit/>
           </a:bodyPr>
           <a:lstStyle/>
           <a:p>
             <a:endParaRPr lang="en-US" dirty="0"/>
           </a:p>
           <a:p>
-            <a:pPr>
+            <a:pPr marL="0" algn="just">
               <a:spcAft>
                 <a:spcPts val="0"/>
               </a:spcAft>
             </a:pPr>
             <a:r>
-              <a:rPr lang="en-CA" dirty="0">
-                <a:effectLst/>
-                <a:latin typeface="Times New Roman" panose="02020603050405020304" pitchFamily="18" charset="0"/>
-                <a:ea typeface="Times New Roman" panose="02020603050405020304" pitchFamily="18" charset="0"/>
-              </a:rPr>
+              <a:rPr lang="en-CA" sz="2000" dirty="0"/>
               <a:t>The condos dataset also has square feet, parking, locker, bedrooms. These are the columns that we are going to work with. The dataset would be like this</a:t>
             </a:r>
           </a:p>
@@ -15463,7 +15464,7 @@
         </p:spPr>
         <p:txBody>
           <a:bodyPr>
-            <a:normAutofit/>
+            <a:normAutofit lnSpcReduction="10000"/>
           </a:bodyPr>
           <a:lstStyle/>
           <a:p>
@@ -15477,7 +15478,14 @@
             <a:pPr algn="justLow"/>
             <a:r>
               <a:rPr lang="en-US" sz="1800" dirty="0"/>
-              <a:t>The method that we are using to learn from the targeted dataset to predict the possible target value for a new record named supervised learning. It can be down on the paper using a mathematic equation, mostly algebra’s theory or by creating a specific machine learning model to predict the target value.</a:t>
+              <a:t>The method that we are using to learn from the targeted dataset to predict the possible target value for a new record named supervised learning. </a:t>
+            </a:r>
+          </a:p>
+          <a:p>
+            <a:pPr algn="justLow"/>
+            <a:r>
+              <a:rPr lang="en-US" sz="1800" dirty="0"/>
+              <a:t>It can be done on the paper using a mathematic equation, mostly algebra’s theory or by creating a specific machine learning model to predict the target value.</a:t>
             </a:r>
           </a:p>
           <a:p>
@@ -19027,7 +19035,7 @@
                 <a:latin typeface="+mj-lt"/>
                 <a:ea typeface="Times New Roman" panose="02020603050405020304" pitchFamily="18" charset="0"/>
               </a:rPr>
-              <a:t>Let's take another look at the same dataset and find out if we can predict the number of lockers. Don’t go far; How about trying machine learning techniques! For example, </a:t>
+              <a:t>Let's take another look at the same dataset and find out if we can predict the number of lockers. Don’t go too far; How about trying machine learning techniques! For example, </a:t>
             </a:r>
             <a:r>
               <a:rPr lang="en-US" sz="1800" b="1" dirty="0">
